--- a/Typescript 블록체인.pptx
+++ b/Typescript 블록체인.pptx
@@ -290,7 +290,7 @@
           <a:p>
             <a:fld id="{0FA04874-8A64-4498-BF5E-5D5B1E2E01E7}" type="datetimeFigureOut">
               <a:rPr lang="ko-KR" altLang="en-US" smtClean="0"/>
-              <a:t>2021-01-26</a:t>
+              <a:t>2021-01-27</a:t>
             </a:fld>
             <a:endParaRPr lang="ko-KR" altLang="en-US"/>
           </a:p>
@@ -488,7 +488,7 @@
           <a:p>
             <a:fld id="{0FA04874-8A64-4498-BF5E-5D5B1E2E01E7}" type="datetimeFigureOut">
               <a:rPr lang="ko-KR" altLang="en-US" smtClean="0"/>
-              <a:t>2021-01-26</a:t>
+              <a:t>2021-01-27</a:t>
             </a:fld>
             <a:endParaRPr lang="ko-KR" altLang="en-US"/>
           </a:p>
@@ -696,7 +696,7 @@
           <a:p>
             <a:fld id="{0FA04874-8A64-4498-BF5E-5D5B1E2E01E7}" type="datetimeFigureOut">
               <a:rPr lang="ko-KR" altLang="en-US" smtClean="0"/>
-              <a:t>2021-01-26</a:t>
+              <a:t>2021-01-27</a:t>
             </a:fld>
             <a:endParaRPr lang="ko-KR" altLang="en-US"/>
           </a:p>
@@ -894,7 +894,7 @@
           <a:p>
             <a:fld id="{0FA04874-8A64-4498-BF5E-5D5B1E2E01E7}" type="datetimeFigureOut">
               <a:rPr lang="ko-KR" altLang="en-US" smtClean="0"/>
-              <a:t>2021-01-26</a:t>
+              <a:t>2021-01-27</a:t>
             </a:fld>
             <a:endParaRPr lang="ko-KR" altLang="en-US"/>
           </a:p>
@@ -1169,7 +1169,7 @@
           <a:p>
             <a:fld id="{0FA04874-8A64-4498-BF5E-5D5B1E2E01E7}" type="datetimeFigureOut">
               <a:rPr lang="ko-KR" altLang="en-US" smtClean="0"/>
-              <a:t>2021-01-26</a:t>
+              <a:t>2021-01-27</a:t>
             </a:fld>
             <a:endParaRPr lang="ko-KR" altLang="en-US"/>
           </a:p>
@@ -1434,7 +1434,7 @@
           <a:p>
             <a:fld id="{0FA04874-8A64-4498-BF5E-5D5B1E2E01E7}" type="datetimeFigureOut">
               <a:rPr lang="ko-KR" altLang="en-US" smtClean="0"/>
-              <a:t>2021-01-26</a:t>
+              <a:t>2021-01-27</a:t>
             </a:fld>
             <a:endParaRPr lang="ko-KR" altLang="en-US"/>
           </a:p>
@@ -1846,7 +1846,7 @@
           <a:p>
             <a:fld id="{0FA04874-8A64-4498-BF5E-5D5B1E2E01E7}" type="datetimeFigureOut">
               <a:rPr lang="ko-KR" altLang="en-US" smtClean="0"/>
-              <a:t>2021-01-26</a:t>
+              <a:t>2021-01-27</a:t>
             </a:fld>
             <a:endParaRPr lang="ko-KR" altLang="en-US"/>
           </a:p>
@@ -1987,7 +1987,7 @@
           <a:p>
             <a:fld id="{0FA04874-8A64-4498-BF5E-5D5B1E2E01E7}" type="datetimeFigureOut">
               <a:rPr lang="ko-KR" altLang="en-US" smtClean="0"/>
-              <a:t>2021-01-26</a:t>
+              <a:t>2021-01-27</a:t>
             </a:fld>
             <a:endParaRPr lang="ko-KR" altLang="en-US"/>
           </a:p>
@@ -2100,7 +2100,7 @@
           <a:p>
             <a:fld id="{0FA04874-8A64-4498-BF5E-5D5B1E2E01E7}" type="datetimeFigureOut">
               <a:rPr lang="ko-KR" altLang="en-US" smtClean="0"/>
-              <a:t>2021-01-26</a:t>
+              <a:t>2021-01-27</a:t>
             </a:fld>
             <a:endParaRPr lang="ko-KR" altLang="en-US"/>
           </a:p>
@@ -2411,7 +2411,7 @@
           <a:p>
             <a:fld id="{0FA04874-8A64-4498-BF5E-5D5B1E2E01E7}" type="datetimeFigureOut">
               <a:rPr lang="ko-KR" altLang="en-US" smtClean="0"/>
-              <a:t>2021-01-26</a:t>
+              <a:t>2021-01-27</a:t>
             </a:fld>
             <a:endParaRPr lang="ko-KR" altLang="en-US"/>
           </a:p>
@@ -2699,7 +2699,7 @@
           <a:p>
             <a:fld id="{0FA04874-8A64-4498-BF5E-5D5B1E2E01E7}" type="datetimeFigureOut">
               <a:rPr lang="ko-KR" altLang="en-US" smtClean="0"/>
-              <a:t>2021-01-26</a:t>
+              <a:t>2021-01-27</a:t>
             </a:fld>
             <a:endParaRPr lang="ko-KR" altLang="en-US"/>
           </a:p>
@@ -2940,7 +2940,7 @@
           <a:p>
             <a:fld id="{0FA04874-8A64-4498-BF5E-5D5B1E2E01E7}" type="datetimeFigureOut">
               <a:rPr lang="ko-KR" altLang="en-US" smtClean="0"/>
-              <a:t>2021-01-26</a:t>
+              <a:t>2021-01-27</a:t>
             </a:fld>
             <a:endParaRPr lang="ko-KR" altLang="en-US"/>
           </a:p>
@@ -3470,10 +3470,71 @@
           <a:bodyPr/>
           <a:lstStyle/>
           <a:p>
+            <a:r>
+              <a:rPr lang="ko-KR" altLang="en-US" dirty="0"/>
+              <a:t>변수의 </a:t>
+            </a:r>
+            <a:r>
+              <a:rPr lang="en-US" altLang="ko-KR" dirty="0"/>
+              <a:t>type</a:t>
+            </a:r>
+            <a:r>
+              <a:rPr lang="ko-KR" altLang="en-US" dirty="0"/>
+              <a:t>과 </a:t>
+            </a:r>
+            <a:r>
+              <a:rPr lang="ko-KR" altLang="en-US" dirty="0" err="1"/>
+              <a:t>반환값</a:t>
+            </a:r>
+            <a:r>
+              <a:rPr lang="ko-KR" altLang="en-US" dirty="0"/>
+              <a:t> </a:t>
+            </a:r>
+            <a:r>
+              <a:rPr lang="en-US" altLang="ko-KR" dirty="0"/>
+              <a:t>type </a:t>
+            </a:r>
+            <a:r>
+              <a:rPr lang="ko-KR" altLang="en-US" dirty="0"/>
+              <a:t>지정</a:t>
+            </a:r>
+            <a:endParaRPr lang="en-US" altLang="ko-KR" dirty="0"/>
+          </a:p>
+          <a:p>
             <a:endParaRPr lang="ko-KR" altLang="en-US" dirty="0"/>
           </a:p>
         </p:txBody>
       </p:sp>
+      <p:pic>
+        <p:nvPicPr>
+          <p:cNvPr id="3" name="그림 2">
+            <a:extLst>
+              <a:ext uri="{FF2B5EF4-FFF2-40B4-BE49-F238E27FC236}">
+                <a16:creationId xmlns:a16="http://schemas.microsoft.com/office/drawing/2014/main" id="{B3156221-5A60-41FF-9ABA-45BDCB801326}"/>
+              </a:ext>
+            </a:extLst>
+          </p:cNvPr>
+          <p:cNvPicPr>
+            <a:picLocks noChangeAspect="1"/>
+          </p:cNvPicPr>
+          <p:nvPr/>
+        </p:nvPicPr>
+        <p:blipFill>
+          <a:blip r:embed="rId2"/>
+          <a:stretch>
+            <a:fillRect/>
+          </a:stretch>
+        </p:blipFill>
+        <p:spPr>
+          <a:xfrm>
+            <a:off x="1943100" y="2962275"/>
+            <a:ext cx="8305800" cy="933450"/>
+          </a:xfrm>
+          <a:prstGeom prst="rect">
+            <a:avLst/>
+          </a:prstGeom>
+        </p:spPr>
+      </p:pic>
     </p:spTree>
     <p:extLst>
       <p:ext uri="{BB962C8B-B14F-4D97-AF65-F5344CB8AC3E}">

--- a/Typescript 블록체인.pptx
+++ b/Typescript 블록체인.pptx
@@ -290,7 +290,7 @@
           <a:p>
             <a:fld id="{0FA04874-8A64-4498-BF5E-5D5B1E2E01E7}" type="datetimeFigureOut">
               <a:rPr lang="ko-KR" altLang="en-US" smtClean="0"/>
-              <a:t>2021-01-27</a:t>
+              <a:t>2021-01-29</a:t>
             </a:fld>
             <a:endParaRPr lang="ko-KR" altLang="en-US"/>
           </a:p>
@@ -488,7 +488,7 @@
           <a:p>
             <a:fld id="{0FA04874-8A64-4498-BF5E-5D5B1E2E01E7}" type="datetimeFigureOut">
               <a:rPr lang="ko-KR" altLang="en-US" smtClean="0"/>
-              <a:t>2021-01-27</a:t>
+              <a:t>2021-01-29</a:t>
             </a:fld>
             <a:endParaRPr lang="ko-KR" altLang="en-US"/>
           </a:p>
@@ -696,7 +696,7 @@
           <a:p>
             <a:fld id="{0FA04874-8A64-4498-BF5E-5D5B1E2E01E7}" type="datetimeFigureOut">
               <a:rPr lang="ko-KR" altLang="en-US" smtClean="0"/>
-              <a:t>2021-01-27</a:t>
+              <a:t>2021-01-29</a:t>
             </a:fld>
             <a:endParaRPr lang="ko-KR" altLang="en-US"/>
           </a:p>
@@ -894,7 +894,7 @@
           <a:p>
             <a:fld id="{0FA04874-8A64-4498-BF5E-5D5B1E2E01E7}" type="datetimeFigureOut">
               <a:rPr lang="ko-KR" altLang="en-US" smtClean="0"/>
-              <a:t>2021-01-27</a:t>
+              <a:t>2021-01-29</a:t>
             </a:fld>
             <a:endParaRPr lang="ko-KR" altLang="en-US"/>
           </a:p>
@@ -1169,7 +1169,7 @@
           <a:p>
             <a:fld id="{0FA04874-8A64-4498-BF5E-5D5B1E2E01E7}" type="datetimeFigureOut">
               <a:rPr lang="ko-KR" altLang="en-US" smtClean="0"/>
-              <a:t>2021-01-27</a:t>
+              <a:t>2021-01-29</a:t>
             </a:fld>
             <a:endParaRPr lang="ko-KR" altLang="en-US"/>
           </a:p>
@@ -1434,7 +1434,7 @@
           <a:p>
             <a:fld id="{0FA04874-8A64-4498-BF5E-5D5B1E2E01E7}" type="datetimeFigureOut">
               <a:rPr lang="ko-KR" altLang="en-US" smtClean="0"/>
-              <a:t>2021-01-27</a:t>
+              <a:t>2021-01-29</a:t>
             </a:fld>
             <a:endParaRPr lang="ko-KR" altLang="en-US"/>
           </a:p>
@@ -1846,7 +1846,7 @@
           <a:p>
             <a:fld id="{0FA04874-8A64-4498-BF5E-5D5B1E2E01E7}" type="datetimeFigureOut">
               <a:rPr lang="ko-KR" altLang="en-US" smtClean="0"/>
-              <a:t>2021-01-27</a:t>
+              <a:t>2021-01-29</a:t>
             </a:fld>
             <a:endParaRPr lang="ko-KR" altLang="en-US"/>
           </a:p>
@@ -1987,7 +1987,7 @@
           <a:p>
             <a:fld id="{0FA04874-8A64-4498-BF5E-5D5B1E2E01E7}" type="datetimeFigureOut">
               <a:rPr lang="ko-KR" altLang="en-US" smtClean="0"/>
-              <a:t>2021-01-27</a:t>
+              <a:t>2021-01-29</a:t>
             </a:fld>
             <a:endParaRPr lang="ko-KR" altLang="en-US"/>
           </a:p>
@@ -2100,7 +2100,7 @@
           <a:p>
             <a:fld id="{0FA04874-8A64-4498-BF5E-5D5B1E2E01E7}" type="datetimeFigureOut">
               <a:rPr lang="ko-KR" altLang="en-US" smtClean="0"/>
-              <a:t>2021-01-27</a:t>
+              <a:t>2021-01-29</a:t>
             </a:fld>
             <a:endParaRPr lang="ko-KR" altLang="en-US"/>
           </a:p>
@@ -2411,7 +2411,7 @@
           <a:p>
             <a:fld id="{0FA04874-8A64-4498-BF5E-5D5B1E2E01E7}" type="datetimeFigureOut">
               <a:rPr lang="ko-KR" altLang="en-US" smtClean="0"/>
-              <a:t>2021-01-27</a:t>
+              <a:t>2021-01-29</a:t>
             </a:fld>
             <a:endParaRPr lang="ko-KR" altLang="en-US"/>
           </a:p>
@@ -2699,7 +2699,7 @@
           <a:p>
             <a:fld id="{0FA04874-8A64-4498-BF5E-5D5B1E2E01E7}" type="datetimeFigureOut">
               <a:rPr lang="ko-KR" altLang="en-US" smtClean="0"/>
-              <a:t>2021-01-27</a:t>
+              <a:t>2021-01-29</a:t>
             </a:fld>
             <a:endParaRPr lang="ko-KR" altLang="en-US"/>
           </a:p>
@@ -2940,7 +2940,7 @@
           <a:p>
             <a:fld id="{0FA04874-8A64-4498-BF5E-5D5B1E2E01E7}" type="datetimeFigureOut">
               <a:rPr lang="ko-KR" altLang="en-US" smtClean="0"/>
-              <a:t>2021-01-27</a:t>
+              <a:t>2021-01-29</a:t>
             </a:fld>
             <a:endParaRPr lang="ko-KR" altLang="en-US"/>
           </a:p>
@@ -3591,10 +3591,47 @@
           <a:bodyPr/>
           <a:lstStyle/>
           <a:p>
+            <a:r>
+              <a:rPr lang="ko-KR" altLang="en-US" dirty="0"/>
+              <a:t>인터페이스</a:t>
+            </a:r>
+            <a:endParaRPr lang="en-US" altLang="ko-KR" dirty="0"/>
+          </a:p>
+          <a:p>
             <a:endParaRPr lang="ko-KR" altLang="en-US" dirty="0"/>
           </a:p>
         </p:txBody>
       </p:sp>
+      <p:pic>
+        <p:nvPicPr>
+          <p:cNvPr id="3" name="그림 2">
+            <a:extLst>
+              <a:ext uri="{FF2B5EF4-FFF2-40B4-BE49-F238E27FC236}">
+                <a16:creationId xmlns:a16="http://schemas.microsoft.com/office/drawing/2014/main" id="{B3B99F8A-06E3-41B9-AAE4-C67D5F14A0FE}"/>
+              </a:ext>
+            </a:extLst>
+          </p:cNvPr>
+          <p:cNvPicPr>
+            <a:picLocks noChangeAspect="1"/>
+          </p:cNvPicPr>
+          <p:nvPr/>
+        </p:nvPicPr>
+        <p:blipFill>
+          <a:blip r:embed="rId2"/>
+          <a:stretch>
+            <a:fillRect/>
+          </a:stretch>
+        </p:blipFill>
+        <p:spPr>
+          <a:xfrm>
+            <a:off x="838200" y="1181247"/>
+            <a:ext cx="3581400" cy="1724025"/>
+          </a:xfrm>
+          <a:prstGeom prst="rect">
+            <a:avLst/>
+          </a:prstGeom>
+        </p:spPr>
+      </p:pic>
     </p:spTree>
     <p:extLst>
       <p:ext uri="{BB962C8B-B14F-4D97-AF65-F5344CB8AC3E}">
@@ -3651,10 +3688,47 @@
           <a:bodyPr/>
           <a:lstStyle/>
           <a:p>
+            <a:r>
+              <a:rPr lang="ko-KR" altLang="en-US" dirty="0"/>
+              <a:t>클래스</a:t>
+            </a:r>
+            <a:endParaRPr lang="en-US" altLang="ko-KR" dirty="0"/>
+          </a:p>
+          <a:p>
             <a:endParaRPr lang="ko-KR" altLang="en-US" dirty="0"/>
           </a:p>
         </p:txBody>
       </p:sp>
+      <p:pic>
+        <p:nvPicPr>
+          <p:cNvPr id="3" name="그림 2">
+            <a:extLst>
+              <a:ext uri="{FF2B5EF4-FFF2-40B4-BE49-F238E27FC236}">
+                <a16:creationId xmlns:a16="http://schemas.microsoft.com/office/drawing/2014/main" id="{52A51986-A959-4ABC-8352-37B15CF247BF}"/>
+              </a:ext>
+            </a:extLst>
+          </p:cNvPr>
+          <p:cNvPicPr>
+            <a:picLocks noChangeAspect="1"/>
+          </p:cNvPicPr>
+          <p:nvPr/>
+        </p:nvPicPr>
+        <p:blipFill>
+          <a:blip r:embed="rId2"/>
+          <a:stretch>
+            <a:fillRect/>
+          </a:stretch>
+        </p:blipFill>
+        <p:spPr>
+          <a:xfrm>
+            <a:off x="2071687" y="1771650"/>
+            <a:ext cx="8048625" cy="3314700"/>
+          </a:xfrm>
+          <a:prstGeom prst="rect">
+            <a:avLst/>
+          </a:prstGeom>
+        </p:spPr>
+      </p:pic>
     </p:spTree>
     <p:extLst>
       <p:ext uri="{BB962C8B-B14F-4D97-AF65-F5344CB8AC3E}">
@@ -3711,6 +3785,81 @@
           <a:bodyPr/>
           <a:lstStyle/>
           <a:p>
+            <a:r>
+              <a:rPr lang="en-US" altLang="ko-KR" dirty="0"/>
+              <a:t>Js </a:t>
+            </a:r>
+            <a:r>
+              <a:rPr lang="ko-KR" altLang="en-US" dirty="0"/>
+              <a:t>코드가 인터페이스를 사용하게 되면 </a:t>
+            </a:r>
+            <a:r>
+              <a:rPr lang="en-US" altLang="ko-KR" dirty="0" err="1"/>
+              <a:t>ts</a:t>
+            </a:r>
+            <a:r>
+              <a:rPr lang="en-US" altLang="ko-KR" dirty="0"/>
+              <a:t> </a:t>
+            </a:r>
+            <a:r>
+              <a:rPr lang="ko-KR" altLang="en-US" dirty="0"/>
+              <a:t>측면에서 안전</a:t>
+            </a:r>
+            <a:endParaRPr lang="en-US" altLang="ko-KR" dirty="0"/>
+          </a:p>
+          <a:p>
+            <a:endParaRPr lang="en-US" altLang="ko-KR" dirty="0"/>
+          </a:p>
+          <a:p>
+            <a:r>
+              <a:rPr lang="ko-KR" altLang="en-US" dirty="0"/>
+              <a:t>반면 </a:t>
+            </a:r>
+            <a:r>
+              <a:rPr lang="en-US" altLang="ko-KR" dirty="0"/>
+              <a:t>react</a:t>
+            </a:r>
+            <a:r>
+              <a:rPr lang="ko-KR" altLang="en-US" dirty="0"/>
+              <a:t>나 </a:t>
+            </a:r>
+            <a:r>
+              <a:rPr lang="en-US" altLang="ko-KR" dirty="0"/>
+              <a:t>express, node </a:t>
+            </a:r>
+            <a:r>
+              <a:rPr lang="ko-KR" altLang="en-US" dirty="0"/>
+              <a:t>등 쓰게 된다면 코드에서 클래스를 사용해야 한다</a:t>
+            </a:r>
+            <a:r>
+              <a:rPr lang="en-US" altLang="ko-KR" dirty="0"/>
+              <a:t>.</a:t>
+            </a:r>
+          </a:p>
+          <a:p>
+            <a:endParaRPr lang="en-US" altLang="ko-KR" dirty="0"/>
+          </a:p>
+          <a:p>
+            <a:r>
+              <a:rPr lang="en-US" altLang="ko-KR" dirty="0"/>
+              <a:t>Public, </a:t>
+            </a:r>
+            <a:r>
+              <a:rPr lang="ko-KR" altLang="en-US" dirty="0"/>
+              <a:t>변수들은 </a:t>
+            </a:r>
+            <a:r>
+              <a:rPr lang="en-US" altLang="ko-KR" dirty="0" err="1"/>
+              <a:t>js</a:t>
+            </a:r>
+            <a:r>
+              <a:rPr lang="ko-KR" altLang="en-US" dirty="0"/>
+              <a:t>에서 나타나지 않는다</a:t>
+            </a:r>
+            <a:r>
+              <a:rPr lang="en-US" altLang="ko-KR" dirty="0"/>
+              <a:t>.</a:t>
+            </a:r>
             <a:endParaRPr lang="ko-KR" altLang="en-US" dirty="0"/>
           </a:p>
         </p:txBody>
@@ -3771,10 +3920,51 @@
           <a:bodyPr/>
           <a:lstStyle/>
           <a:p>
-            <a:endParaRPr lang="ko-KR" altLang="en-US" dirty="0"/>
-          </a:p>
-        </p:txBody>
-      </p:sp>
+            <a:r>
+              <a:rPr lang="ko-KR" altLang="en-US" dirty="0"/>
+              <a:t>블록체인 </a:t>
+            </a:r>
+            <a:r>
+              <a:rPr lang="en-US" altLang="ko-KR" dirty="0"/>
+              <a:t>– </a:t>
+            </a:r>
+            <a:r>
+              <a:rPr lang="ko-KR" altLang="en-US" dirty="0"/>
+              <a:t>블록의 연결</a:t>
+            </a:r>
+          </a:p>
+        </p:txBody>
+      </p:sp>
+      <p:pic>
+        <p:nvPicPr>
+          <p:cNvPr id="3" name="그림 2">
+            <a:extLst>
+              <a:ext uri="{FF2B5EF4-FFF2-40B4-BE49-F238E27FC236}">
+                <a16:creationId xmlns:a16="http://schemas.microsoft.com/office/drawing/2014/main" id="{994701D5-9ADC-47CC-9FD5-D87E2A913453}"/>
+              </a:ext>
+            </a:extLst>
+          </p:cNvPr>
+          <p:cNvPicPr>
+            <a:picLocks noChangeAspect="1"/>
+          </p:cNvPicPr>
+          <p:nvPr/>
+        </p:nvPicPr>
+        <p:blipFill>
+          <a:blip r:embed="rId2"/>
+          <a:stretch>
+            <a:fillRect/>
+          </a:stretch>
+        </p:blipFill>
+        <p:spPr>
+          <a:xfrm>
+            <a:off x="290512" y="962025"/>
+            <a:ext cx="11610975" cy="4933950"/>
+          </a:xfrm>
+          <a:prstGeom prst="rect">
+            <a:avLst/>
+          </a:prstGeom>
+        </p:spPr>
+      </p:pic>
     </p:spTree>
     <p:extLst>
       <p:ext uri="{BB962C8B-B14F-4D97-AF65-F5344CB8AC3E}">
@@ -3831,7 +4021,22 @@
           <a:bodyPr/>
           <a:lstStyle/>
           <a:p>
-            <a:endParaRPr lang="ko-KR" altLang="en-US" dirty="0"/>
+            <a:r>
+              <a:rPr lang="ko-KR" altLang="en-US" dirty="0" err="1"/>
+              <a:t>해쉬</a:t>
+            </a:r>
+            <a:r>
+              <a:rPr lang="ko-KR" altLang="en-US" dirty="0"/>
+              <a:t> </a:t>
+            </a:r>
+            <a:r>
+              <a:rPr lang="en-US" altLang="ko-KR" dirty="0"/>
+              <a:t>– </a:t>
+            </a:r>
+            <a:r>
+              <a:rPr lang="ko-KR" altLang="en-US" dirty="0"/>
+              <a:t>모든 속성을 엄청 길고 수학적으로 이상한 하나의 문자열로 결합한 것</a:t>
+            </a:r>
           </a:p>
         </p:txBody>
       </p:sp>
@@ -3891,10 +4096,68 @@
           <a:bodyPr/>
           <a:lstStyle/>
           <a:p>
+            <a:r>
+              <a:rPr lang="en-US" altLang="ko-KR" dirty="0"/>
+              <a:t>Static method</a:t>
+            </a:r>
+          </a:p>
+          <a:p>
+            <a:r>
+              <a:rPr lang="en-US" altLang="ko-KR" dirty="0"/>
+              <a:t>Static</a:t>
+            </a:r>
+            <a:r>
+              <a:rPr lang="ko-KR" altLang="en-US" dirty="0"/>
+              <a:t>을 </a:t>
+            </a:r>
+            <a:r>
+              <a:rPr lang="ko-KR" altLang="en-US" dirty="0" err="1"/>
+              <a:t>안쓰면</a:t>
+            </a:r>
+            <a:r>
+              <a:rPr lang="ko-KR" altLang="en-US" dirty="0"/>
+              <a:t> 블록을 생성 후 함수를 사용할 수 있지만 쓰면 블록을 생성하지 않고도 함수를 사용할 수 있다</a:t>
+            </a:r>
+            <a:r>
+              <a:rPr lang="en-US" altLang="ko-KR" dirty="0"/>
+              <a:t>.</a:t>
+            </a:r>
+          </a:p>
+          <a:p>
             <a:endParaRPr lang="ko-KR" altLang="en-US" dirty="0"/>
           </a:p>
         </p:txBody>
       </p:sp>
+      <p:pic>
+        <p:nvPicPr>
+          <p:cNvPr id="3" name="그림 2">
+            <a:extLst>
+              <a:ext uri="{FF2B5EF4-FFF2-40B4-BE49-F238E27FC236}">
+                <a16:creationId xmlns:a16="http://schemas.microsoft.com/office/drawing/2014/main" id="{6AB6E5D3-1D0C-4966-BACE-838D138F804B}"/>
+              </a:ext>
+            </a:extLst>
+          </p:cNvPr>
+          <p:cNvPicPr>
+            <a:picLocks noChangeAspect="1"/>
+          </p:cNvPicPr>
+          <p:nvPr/>
+        </p:nvPicPr>
+        <p:blipFill>
+          <a:blip r:embed="rId2"/>
+          <a:stretch>
+            <a:fillRect/>
+          </a:stretch>
+        </p:blipFill>
+        <p:spPr>
+          <a:xfrm>
+            <a:off x="1228725" y="2616200"/>
+            <a:ext cx="9734550" cy="3876675"/>
+          </a:xfrm>
+          <a:prstGeom prst="rect">
+            <a:avLst/>
+          </a:prstGeom>
+        </p:spPr>
+      </p:pic>
     </p:spTree>
     <p:extLst>
       <p:ext uri="{BB962C8B-B14F-4D97-AF65-F5344CB8AC3E}">
